--- a/Week7/W1.05. Working with Data.pptx
+++ b/Week7/W1.05. Working with Data.pptx
@@ -162,6 +162,88 @@
 </p:presentation>
 </file>
 
+<file path=ppt/revisionInfo.xml><?xml version="1.0" encoding="utf-8"?>
+<p1510:revInfo xmlns:a="http://schemas.openxmlformats.org/drawingml/2006/main" xmlns:r="http://schemas.openxmlformats.org/officeDocument/2006/relationships" xmlns:p1510="http://schemas.microsoft.com/office/powerpoint/2015/10/main">
+  <p1510:revLst>
+    <p1510:client id="{0C0B1188-AF46-406A-B1E0-CE11BC657EDA}" v="1" dt="2023-04-18T17:16:34.209"/>
+  </p1510:revLst>
+</p1510:revInfo>
+</file>
+
+<file path=ppt/changesInfos/changesInfo1.xml><?xml version="1.0" encoding="utf-8"?>
+<pc:chgInfo xmlns:a="http://schemas.openxmlformats.org/drawingml/2006/main" xmlns:r="http://schemas.openxmlformats.org/officeDocument/2006/relationships" xmlns:ac="http://schemas.microsoft.com/office/drawing/2013/main/command" xmlns:pc="http://schemas.microsoft.com/office/powerpoint/2013/main/command">
+  <pc:docChgLst>
+    <pc:chgData name="Charles Kiefriter" userId="a996b49251c4dfd2" providerId="LiveId" clId="{0C0B1188-AF46-406A-B1E0-CE11BC657EDA}"/>
+    <pc:docChg chg="modSld">
+      <pc:chgData name="Charles Kiefriter" userId="a996b49251c4dfd2" providerId="LiveId" clId="{0C0B1188-AF46-406A-B1E0-CE11BC657EDA}" dt="2023-04-18T17:20:57.155" v="17" actId="14100"/>
+      <pc:docMkLst>
+        <pc:docMk/>
+      </pc:docMkLst>
+      <pc:sldChg chg="modSp mod">
+        <pc:chgData name="Charles Kiefriter" userId="a996b49251c4dfd2" providerId="LiveId" clId="{0C0B1188-AF46-406A-B1E0-CE11BC657EDA}" dt="2023-04-18T17:20:57.155" v="17" actId="14100"/>
+        <pc:sldMkLst>
+          <pc:docMk/>
+          <pc:sldMk cId="1996599494" sldId="260"/>
+        </pc:sldMkLst>
+        <pc:spChg chg="mod">
+          <ac:chgData name="Charles Kiefriter" userId="a996b49251c4dfd2" providerId="LiveId" clId="{0C0B1188-AF46-406A-B1E0-CE11BC657EDA}" dt="2023-04-18T17:20:57.155" v="17" actId="14100"/>
+          <ac:spMkLst>
+            <pc:docMk/>
+            <pc:sldMk cId="1996599494" sldId="260"/>
+            <ac:spMk id="3" creationId="{2B62B9AB-1FBE-4C84-982B-27326D040D0E}"/>
+          </ac:spMkLst>
+        </pc:spChg>
+      </pc:sldChg>
+      <pc:sldChg chg="modSp mod">
+        <pc:chgData name="Charles Kiefriter" userId="a996b49251c4dfd2" providerId="LiveId" clId="{0C0B1188-AF46-406A-B1E0-CE11BC657EDA}" dt="2023-04-18T17:13:55.195" v="7" actId="20577"/>
+        <pc:sldMkLst>
+          <pc:docMk/>
+          <pc:sldMk cId="1271861663" sldId="261"/>
+        </pc:sldMkLst>
+        <pc:spChg chg="mod">
+          <ac:chgData name="Charles Kiefriter" userId="a996b49251c4dfd2" providerId="LiveId" clId="{0C0B1188-AF46-406A-B1E0-CE11BC657EDA}" dt="2023-04-18T17:13:55.195" v="7" actId="20577"/>
+          <ac:spMkLst>
+            <pc:docMk/>
+            <pc:sldMk cId="1271861663" sldId="261"/>
+            <ac:spMk id="3" creationId="{BF2BC001-8DF8-4741-97F6-EBA2DCE45B9F}"/>
+          </ac:spMkLst>
+        </pc:spChg>
+      </pc:sldChg>
+      <pc:sldChg chg="modSp mod">
+        <pc:chgData name="Charles Kiefriter" userId="a996b49251c4dfd2" providerId="LiveId" clId="{0C0B1188-AF46-406A-B1E0-CE11BC657EDA}" dt="2023-04-18T17:14:32.823" v="14" actId="20577"/>
+        <pc:sldMkLst>
+          <pc:docMk/>
+          <pc:sldMk cId="3120611840" sldId="268"/>
+        </pc:sldMkLst>
+        <pc:spChg chg="mod">
+          <ac:chgData name="Charles Kiefriter" userId="a996b49251c4dfd2" providerId="LiveId" clId="{0C0B1188-AF46-406A-B1E0-CE11BC657EDA}" dt="2023-04-18T17:14:32.823" v="14" actId="20577"/>
+          <ac:spMkLst>
+            <pc:docMk/>
+            <pc:sldMk cId="3120611840" sldId="268"/>
+            <ac:spMk id="3" creationId="{1AFA0B57-B65B-4424-AB2F-ACE89BF04F67}"/>
+          </ac:spMkLst>
+        </pc:spChg>
+      </pc:sldChg>
+      <pc:sldChg chg="modSp mod">
+        <pc:chgData name="Charles Kiefriter" userId="a996b49251c4dfd2" providerId="LiveId" clId="{0C0B1188-AF46-406A-B1E0-CE11BC657EDA}" dt="2023-04-18T17:15:53.774" v="15" actId="14100"/>
+        <pc:sldMkLst>
+          <pc:docMk/>
+          <pc:sldMk cId="729360488" sldId="269"/>
+        </pc:sldMkLst>
+        <pc:spChg chg="mod">
+          <ac:chgData name="Charles Kiefriter" userId="a996b49251c4dfd2" providerId="LiveId" clId="{0C0B1188-AF46-406A-B1E0-CE11BC657EDA}" dt="2023-04-18T17:15:53.774" v="15" actId="14100"/>
+          <ac:spMkLst>
+            <pc:docMk/>
+            <pc:sldMk cId="729360488" sldId="269"/>
+            <ac:spMk id="3" creationId="{DD18FE6F-CFAB-4C04-8C2C-DB25D360499D}"/>
+          </ac:spMkLst>
+        </pc:spChg>
+      </pc:sldChg>
+    </pc:docChg>
+  </pc:docChgLst>
+</pc:chgInfo>
+</file>
+
 <file path=ppt/notesMasters/notesMaster1.xml><?xml version="1.0" encoding="utf-8"?>
 <p:notesMaster xmlns:a="http://schemas.openxmlformats.org/drawingml/2006/main" xmlns:r="http://schemas.openxmlformats.org/officeDocument/2006/relationships" xmlns:p="http://schemas.openxmlformats.org/presentationml/2006/main">
   <p:cSld>
@@ -244,7 +326,7 @@
           <a:p>
             <a:fld id="{A96EBBE9-2F2D-43F0-A8D8-2BF6532AC080}" type="datetimeFigureOut">
               <a:rPr lang="en-US" smtClean="0"/>
-              <a:t>12/8/2021</a:t>
+              <a:t>4/17/2023</a:t>
             </a:fld>
             <a:endParaRPr lang="en-US"/>
           </a:p>
@@ -842,7 +924,7 @@
           <a:p>
             <a:fld id="{548C5E67-172B-4F6A-B3B9-DEF72F952E5B}" type="datetimeFigureOut">
               <a:rPr lang="en-US" smtClean="0"/>
-              <a:t>12/8/2021</a:t>
+              <a:t>4/17/2023</a:t>
             </a:fld>
             <a:endParaRPr lang="en-US"/>
           </a:p>
@@ -1046,7 +1128,7 @@
           <a:p>
             <a:fld id="{548C5E67-172B-4F6A-B3B9-DEF72F952E5B}" type="datetimeFigureOut">
               <a:rPr lang="en-US" smtClean="0"/>
-              <a:t>12/8/2021</a:t>
+              <a:t>4/17/2023</a:t>
             </a:fld>
             <a:endParaRPr lang="en-US"/>
           </a:p>
@@ -1240,7 +1322,7 @@
           <a:p>
             <a:fld id="{548C5E67-172B-4F6A-B3B9-DEF72F952E5B}" type="datetimeFigureOut">
               <a:rPr lang="en-US" smtClean="0"/>
-              <a:t>12/8/2021</a:t>
+              <a:t>4/17/2023</a:t>
             </a:fld>
             <a:endParaRPr lang="en-US"/>
           </a:p>
@@ -2285,7 +2367,7 @@
           <a:p>
             <a:fld id="{548C5E67-172B-4F6A-B3B9-DEF72F952E5B}" type="datetimeFigureOut">
               <a:rPr lang="en-US" smtClean="0"/>
-              <a:t>12/8/2021</a:t>
+              <a:t>4/17/2023</a:t>
             </a:fld>
             <a:endParaRPr lang="en-US"/>
           </a:p>
@@ -2566,7 +2648,7 @@
           <a:p>
             <a:fld id="{548C5E67-172B-4F6A-B3B9-DEF72F952E5B}" type="datetimeFigureOut">
               <a:rPr lang="en-US" smtClean="0"/>
-              <a:t>12/8/2021</a:t>
+              <a:t>4/17/2023</a:t>
             </a:fld>
             <a:endParaRPr lang="en-US"/>
           </a:p>
@@ -3218,7 +3300,7 @@
         <p:spPr>
           <a:xfrm>
             <a:off x="838200" y="1825625"/>
-            <a:ext cx="6117404" cy="4351338"/>
+            <a:ext cx="8696325" cy="4351338"/>
           </a:xfrm>
         </p:spPr>
         <p:txBody>
@@ -5202,7 +5284,7 @@
             <a:pPr lvl="1"/>
             <a:r>
               <a:rPr lang="en-US" dirty="0"/>
-              <a:t>Business rules</a:t>
+              <a:t>Business rules &amp; logic</a:t>
             </a:r>
           </a:p>
           <a:p>
@@ -5313,7 +5395,7 @@
         <p:spPr>
           <a:xfrm>
             <a:off x="838200" y="1825625"/>
-            <a:ext cx="6004560" cy="4351338"/>
+            <a:ext cx="8515350" cy="4351338"/>
           </a:xfrm>
         </p:spPr>
         <p:txBody>
@@ -5348,7 +5430,7 @@
                   <a:srgbClr val="00B0F0"/>
                 </a:solidFill>
               </a:rPr>
-              <a:t>single-responsibility principle</a:t>
+              <a:t>Single-Responsibility Principle</a:t>
             </a:r>
             <a:r>
               <a:rPr lang="en-US" dirty="0"/>
@@ -5445,8 +5527,8 @@
         </p:nvSpPr>
         <p:spPr>
           <a:xfrm>
-            <a:off x="838200" y="1825625"/>
-            <a:ext cx="6248400" cy="4351338"/>
+            <a:off x="838199" y="1825625"/>
+            <a:ext cx="11096625" cy="4351338"/>
           </a:xfrm>
         </p:spPr>
         <p:txBody>
@@ -5455,8 +5537,15 @@
           <a:p>
             <a:r>
               <a:rPr lang="en-US" dirty="0"/>
-              <a:t>Part of the 5 SOLID principles of OOP</a:t>
-            </a:r>
+              <a:t>Part of the </a:t>
+            </a:r>
+            <a:r>
+              <a:rPr lang="en-US" dirty="0">
+                <a:hlinkClick r:id="rId2"/>
+              </a:rPr>
+              <a:t>5 SOLID principles of OOP</a:t>
+            </a:r>
+            <a:endParaRPr lang="en-US" dirty="0"/>
           </a:p>
           <a:p>
             <a:r>
@@ -5488,15 +5577,7 @@
             <a:pPr lvl="1"/>
             <a:r>
               <a:rPr lang="en-US" dirty="0"/>
-              <a:t>Package: contains </a:t>
-            </a:r>
-            <a:r>
-              <a:rPr lang="en-US"/>
-              <a:t>classes that manage </a:t>
-            </a:r>
-            <a:r>
-              <a:rPr lang="en-US" dirty="0"/>
-              <a:t>database input/output</a:t>
+              <a:t>Package: contains classes that manage database input/output</a:t>
             </a:r>
           </a:p>
         </p:txBody>

--- a/Week7/W1.05. Working with Data.pptx
+++ b/Week7/W1.05. Working with Data.pptx
@@ -162,16 +162,47 @@
 </p:presentation>
 </file>
 
-<file path=ppt/revisionInfo.xml><?xml version="1.0" encoding="utf-8"?>
-<p1510:revInfo xmlns:a="http://schemas.openxmlformats.org/drawingml/2006/main" xmlns:r="http://schemas.openxmlformats.org/officeDocument/2006/relationships" xmlns:p1510="http://schemas.microsoft.com/office/powerpoint/2015/10/main">
-  <p1510:revLst>
-    <p1510:client id="{0C0B1188-AF46-406A-B1E0-CE11BC657EDA}" v="1" dt="2023-04-18T17:16:34.209"/>
-  </p1510:revLst>
-</p1510:revInfo>
-</file>
-
 <file path=ppt/changesInfos/changesInfo1.xml><?xml version="1.0" encoding="utf-8"?>
 <pc:chgInfo xmlns:a="http://schemas.openxmlformats.org/drawingml/2006/main" xmlns:r="http://schemas.openxmlformats.org/officeDocument/2006/relationships" xmlns:ac="http://schemas.microsoft.com/office/drawing/2013/main/command" xmlns:pc="http://schemas.microsoft.com/office/powerpoint/2013/main/command">
+  <pc:docChgLst>
+    <pc:chgData name="Chuck Kiefriter" userId="a996b49251c4dfd2" providerId="LiveId" clId="{8DA34C0D-FEAF-43C0-8E34-615589DD4580}"/>
+    <pc:docChg chg="modSld">
+      <pc:chgData name="Chuck Kiefriter" userId="a996b49251c4dfd2" providerId="LiveId" clId="{8DA34C0D-FEAF-43C0-8E34-615589DD4580}" dt="2024-03-20T23:27:22.311" v="4" actId="1076"/>
+      <pc:docMkLst>
+        <pc:docMk/>
+      </pc:docMkLst>
+      <pc:sldChg chg="modSp mod">
+        <pc:chgData name="Chuck Kiefriter" userId="a996b49251c4dfd2" providerId="LiveId" clId="{8DA34C0D-FEAF-43C0-8E34-615589DD4580}" dt="2024-03-20T23:27:22.311" v="4" actId="1076"/>
+        <pc:sldMkLst>
+          <pc:docMk/>
+          <pc:sldMk cId="1919913956" sldId="259"/>
+        </pc:sldMkLst>
+        <pc:spChg chg="mod">
+          <ac:chgData name="Chuck Kiefriter" userId="a996b49251c4dfd2" providerId="LiveId" clId="{8DA34C0D-FEAF-43C0-8E34-615589DD4580}" dt="2024-03-20T23:27:22.311" v="4" actId="1076"/>
+          <ac:spMkLst>
+            <pc:docMk/>
+            <pc:sldMk cId="1919913956" sldId="259"/>
+            <ac:spMk id="3" creationId="{BE68BA6A-193C-46E5-9A9C-515782C93F2E}"/>
+          </ac:spMkLst>
+        </pc:spChg>
+      </pc:sldChg>
+      <pc:sldChg chg="modSp mod">
+        <pc:chgData name="Chuck Kiefriter" userId="a996b49251c4dfd2" providerId="LiveId" clId="{8DA34C0D-FEAF-43C0-8E34-615589DD4580}" dt="2024-03-20T23:25:51.351" v="1" actId="14100"/>
+        <pc:sldMkLst>
+          <pc:docMk/>
+          <pc:sldMk cId="2287524396" sldId="262"/>
+        </pc:sldMkLst>
+        <pc:spChg chg="mod">
+          <ac:chgData name="Chuck Kiefriter" userId="a996b49251c4dfd2" providerId="LiveId" clId="{8DA34C0D-FEAF-43C0-8E34-615589DD4580}" dt="2024-03-20T23:25:51.351" v="1" actId="14100"/>
+          <ac:spMkLst>
+            <pc:docMk/>
+            <pc:sldMk cId="2287524396" sldId="262"/>
+            <ac:spMk id="3" creationId="{82D3D153-57A0-44A1-A88D-04C6160DD197}"/>
+          </ac:spMkLst>
+        </pc:spChg>
+      </pc:sldChg>
+    </pc:docChg>
+  </pc:docChgLst>
   <pc:docChgLst>
     <pc:chgData name="Charles Kiefriter" userId="a996b49251c4dfd2" providerId="LiveId" clId="{0C0B1188-AF46-406A-B1E0-CE11BC657EDA}"/>
     <pc:docChg chg="modSld">
@@ -326,7 +357,7 @@
           <a:p>
             <a:fld id="{A96EBBE9-2F2D-43F0-A8D8-2BF6532AC080}" type="datetimeFigureOut">
               <a:rPr lang="en-US" smtClean="0"/>
-              <a:t>4/17/2023</a:t>
+              <a:t>3/20/2024</a:t>
             </a:fld>
             <a:endParaRPr lang="en-US"/>
           </a:p>
@@ -924,7 +955,7 @@
           <a:p>
             <a:fld id="{548C5E67-172B-4F6A-B3B9-DEF72F952E5B}" type="datetimeFigureOut">
               <a:rPr lang="en-US" smtClean="0"/>
-              <a:t>4/17/2023</a:t>
+              <a:t>3/20/2024</a:t>
             </a:fld>
             <a:endParaRPr lang="en-US"/>
           </a:p>
@@ -1128,7 +1159,7 @@
           <a:p>
             <a:fld id="{548C5E67-172B-4F6A-B3B9-DEF72F952E5B}" type="datetimeFigureOut">
               <a:rPr lang="en-US" smtClean="0"/>
-              <a:t>4/17/2023</a:t>
+              <a:t>3/20/2024</a:t>
             </a:fld>
             <a:endParaRPr lang="en-US"/>
           </a:p>
@@ -1322,7 +1353,7 @@
           <a:p>
             <a:fld id="{548C5E67-172B-4F6A-B3B9-DEF72F952E5B}" type="datetimeFigureOut">
               <a:rPr lang="en-US" smtClean="0"/>
-              <a:t>4/17/2023</a:t>
+              <a:t>3/20/2024</a:t>
             </a:fld>
             <a:endParaRPr lang="en-US"/>
           </a:p>
@@ -2367,7 +2398,7 @@
           <a:p>
             <a:fld id="{548C5E67-172B-4F6A-B3B9-DEF72F952E5B}" type="datetimeFigureOut">
               <a:rPr lang="en-US" smtClean="0"/>
-              <a:t>4/17/2023</a:t>
+              <a:t>3/20/2024</a:t>
             </a:fld>
             <a:endParaRPr lang="en-US"/>
           </a:p>
@@ -2648,7 +2679,7 @@
           <a:p>
             <a:fld id="{548C5E67-172B-4F6A-B3B9-DEF72F952E5B}" type="datetimeFigureOut">
               <a:rPr lang="en-US" smtClean="0"/>
-              <a:t>4/17/2023</a:t>
+              <a:t>3/20/2024</a:t>
             </a:fld>
             <a:endParaRPr lang="en-US"/>
           </a:p>
@@ -5670,7 +5701,12 @@
             <p:ph idx="1"/>
           </p:nvPr>
         </p:nvSpPr>
-        <p:spPr/>
+        <p:spPr>
+          <a:xfrm>
+            <a:off x="393192" y="1825625"/>
+            <a:ext cx="11247120" cy="4351338"/>
+          </a:xfrm>
+        </p:spPr>
         <p:txBody>
           <a:bodyPr/>
           <a:lstStyle/>
@@ -5838,7 +5874,12 @@
             <p:ph idx="1"/>
           </p:nvPr>
         </p:nvSpPr>
-        <p:spPr/>
+        <p:spPr>
+          <a:xfrm>
+            <a:off x="708660" y="1761617"/>
+            <a:ext cx="10774680" cy="4351338"/>
+          </a:xfrm>
+        </p:spPr>
         <p:txBody>
           <a:bodyPr/>
           <a:lstStyle/>
